--- a/C# Part 2/Presentations/Multidimensional-Arrays.pptx
+++ b/C# Part 2/Presentations/Multidimensional-Arrays.pptx
@@ -329,7 +329,7 @@
             <a:fld id="{3BF7C7B5-275F-4D1F-9AB4-9255447DBC73}" type="datetimeFigureOut">
               <a:rPr lang="en-US"/>
               <a:pPr/>
-              <a:t>18.12.2012</a:t>
+              <a:t>1/19/2013</a:t>
             </a:fld>
             <a:endParaRPr lang="en-US" dirty="0"/>
           </a:p>
@@ -560,7 +560,7 @@
             <a:fld id="{9B46F231-FB2B-4655-A644-E2477325E686}" type="datetimeFigureOut">
               <a:rPr lang="en-US"/>
               <a:pPr/>
-              <a:t>18.12.2012</a:t>
+              <a:t>1/19/2013</a:t>
             </a:fld>
             <a:endParaRPr lang="en-US" dirty="0"/>
           </a:p>
@@ -26374,7 +26374,7 @@
                 </a:solidFill>
                 <a:sym typeface="Wingdings" pitchFamily="2" charset="2"/>
               </a:rPr>
-              <a:t>Sequences </a:t>
+              <a:t>Sequences in </a:t>
             </a:r>
             <a:r>
               <a:rPr lang="en-US" sz="2800" dirty="0">
@@ -26386,7 +26386,7 @@
                 </a:solidFill>
                 <a:sym typeface="Wingdings" pitchFamily="2" charset="2"/>
               </a:rPr>
-              <a:t>in the matrix </a:t>
+              <a:t>the matrix </a:t>
             </a:r>
             <a:r>
               <a:rPr lang="en-US" sz="2800" dirty="0">
